--- a/QoS_Slider.pptx
+++ b/QoS_Slider.pptx
@@ -3021,22 +3021,7 @@
           <a:p>
             <a:r>
               <a:rPr lang="en-US" sz="2600" dirty="0"/>
-              <a:t>The Pitfalls of Provisioning </a:t>
-            </a:r>
-            <a:r>
-              <a:rPr lang="en-US" sz="2600" dirty="0" err="1"/>
-              <a:t>Exascale</a:t>
-            </a:r>
-            <a:r>
-              <a:rPr lang="en-US" sz="2600" dirty="0"/>
-              <a:t> Networks: </a:t>
-            </a:r>
-            <a:br>
-              <a:rPr lang="en-US" sz="2600" dirty="0"/>
-            </a:br>
-            <a:r>
-              <a:rPr lang="en-US" sz="2600" dirty="0"/>
-              <a:t>A Trace Replay Analysis for Understanding Communication Performance </a:t>
+              <a:t>Opportunities and limitations of Quality-of-Service in Message Passing applications on adaptively routed Dragonfly and Fat Tree networks</a:t>
             </a:r>
           </a:p>
         </p:txBody>
@@ -3095,7 +3080,7 @@
         </p:nvSpPr>
         <p:spPr>
           <a:xfrm>
-            <a:off x="263047" y="260470"/>
+            <a:off x="263047" y="532115"/>
             <a:ext cx="6261331" cy="353125"/>
           </a:xfrm>
           <a:prstGeom prst="rect">
@@ -3104,7 +3089,7 @@
         </p:spPr>
         <p:txBody>
           <a:bodyPr vert="horz" lIns="91440" tIns="45720" rIns="91440" bIns="45720" rtlCol="0">
-            <a:noAutofit/>
+            <a:normAutofit/>
           </a:bodyPr>
           <a:lstStyle>
             <a:lvl1pPr marL="0" indent="0" algn="l" defTabSz="914354" rtl="0" eaLnBrk="1" latinLnBrk="0" hangingPunct="1">
@@ -3346,66 +3331,21 @@
             </a:lvl9pPr>
           </a:lstStyle>
           <a:p>
-            <a:pPr>
-              <a:lnSpc>
-                <a:spcPct val="100000"/>
-              </a:lnSpc>
-              <a:spcBef>
-                <a:spcPts val="0"/>
-              </a:spcBef>
-              <a:spcAft>
-                <a:spcPts val="1350"/>
-              </a:spcAft>
-            </a:pPr>
             <a:r>
               <a:rPr lang="en-US" sz="1600" dirty="0">
-                <a:latin typeface="Gill Sans MT" charset="0"/>
-                <a:ea typeface="Gill Sans MT" charset="0"/>
-                <a:cs typeface="Gill Sans MT" charset="0"/>
+                <a:latin typeface="Gill Sans MT" panose="020B0502020104020203" pitchFamily="34" charset="77"/>
               </a:rPr>
-              <a:t>Joseph P. Kenny, </a:t>
-            </a:r>
-            <a:r>
-              <a:rPr lang="en-US" sz="1600" dirty="0" err="1">
-                <a:latin typeface="Gill Sans MT" charset="0"/>
-                <a:ea typeface="Gill Sans MT" charset="0"/>
-                <a:cs typeface="Gill Sans MT" charset="0"/>
-              </a:rPr>
-              <a:t>Khachik</a:t>
-            </a:r>
-            <a:r>
-              <a:rPr lang="en-US" sz="1600" dirty="0">
-                <a:latin typeface="Gill Sans MT" charset="0"/>
-                <a:ea typeface="Gill Sans MT" charset="0"/>
-                <a:cs typeface="Gill Sans MT" charset="0"/>
-              </a:rPr>
-              <a:t> Sargsyan, Samuel Knight, George </a:t>
-            </a:r>
-            <a:r>
-              <a:rPr lang="en-US" sz="1600" dirty="0" err="1">
-                <a:latin typeface="Gill Sans MT" charset="0"/>
-                <a:ea typeface="Gill Sans MT" charset="0"/>
-                <a:cs typeface="Gill Sans MT" charset="0"/>
-              </a:rPr>
-              <a:t>Michelogiannakis</a:t>
-            </a:r>
-            <a:r>
-              <a:rPr lang="en-US" sz="1600" dirty="0">
-                <a:latin typeface="Gill Sans MT" charset="0"/>
-                <a:ea typeface="Gill Sans MT" charset="0"/>
-                <a:cs typeface="Gill Sans MT" charset="0"/>
-              </a:rPr>
-              <a:t> and Jeremiah J. Wilke</a:t>
+              <a:t>Jeremiah Wilke and Joseph Kenny</a:t>
             </a:r>
           </a:p>
         </p:txBody>
       </p:sp>
       <p:pic>
         <p:nvPicPr>
-          <p:cNvPr id="229" name="Picture 228">
+          <p:cNvPr id="230" name="Picture 229">
             <a:extLst>
               <a:ext uri="{FF2B5EF4-FFF2-40B4-BE49-F238E27FC236}">
-                <a16:creationId xmlns:a16="http://schemas.microsoft.com/office/drawing/2014/main" id="{2DF1097F-7251-C846-A2B2-107FB83E78EC}"/>
+                <a16:creationId xmlns:a16="http://schemas.microsoft.com/office/drawing/2014/main" id="{33BDA3ED-AB51-7544-AD5B-AF46FCEBB82A}"/>
               </a:ext>
             </a:extLst>
           </p:cNvPr>
@@ -3415,21 +3355,15 @@
           <p:nvPr/>
         </p:nvPicPr>
         <p:blipFill>
-          <a:blip r:embed="rId6">
-            <a:extLst>
-              <a:ext uri="{28A0092B-C50C-407E-A947-70E740481C1C}">
-                <a14:useLocalDpi xmlns:a14="http://schemas.microsoft.com/office/drawing/2010/main" val="0"/>
-              </a:ext>
-            </a:extLst>
-          </a:blip>
+          <a:blip r:embed="rId6"/>
           <a:stretch>
             <a:fillRect/>
           </a:stretch>
         </p:blipFill>
         <p:spPr>
           <a:xfrm>
-            <a:off x="629205" y="4653029"/>
-            <a:ext cx="3916210" cy="1958105"/>
+            <a:off x="4885152" y="3131263"/>
+            <a:ext cx="4289729" cy="1858883"/>
           </a:xfrm>
           <a:prstGeom prst="rect">
             <a:avLst/>
@@ -3438,10 +3372,10 @@
       </p:pic>
       <p:pic>
         <p:nvPicPr>
-          <p:cNvPr id="230" name="Picture 229">
+          <p:cNvPr id="231" name="Picture 230">
             <a:extLst>
               <a:ext uri="{FF2B5EF4-FFF2-40B4-BE49-F238E27FC236}">
-                <a16:creationId xmlns:a16="http://schemas.microsoft.com/office/drawing/2014/main" id="{D26BE882-F476-C04E-8E13-8D8203EE1BC0}"/>
+                <a16:creationId xmlns:a16="http://schemas.microsoft.com/office/drawing/2014/main" id="{06477642-EF96-6141-8D46-49E199A5F83C}"/>
               </a:ext>
             </a:extLst>
           </p:cNvPr>
@@ -3451,21 +3385,15 @@
           <p:nvPr/>
         </p:nvPicPr>
         <p:blipFill>
-          <a:blip r:embed="rId7">
-            <a:extLst>
-              <a:ext uri="{28A0092B-C50C-407E-A947-70E740481C1C}">
-                <a14:useLocalDpi xmlns:a14="http://schemas.microsoft.com/office/drawing/2010/main" val="0"/>
-              </a:ext>
-            </a:extLst>
-          </a:blip>
+          <a:blip r:embed="rId7"/>
           <a:stretch>
             <a:fillRect/>
           </a:stretch>
         </p:blipFill>
         <p:spPr>
           <a:xfrm>
-            <a:off x="6773921" y="4290167"/>
-            <a:ext cx="3423778" cy="2567833"/>
+            <a:off x="263047" y="4333140"/>
+            <a:ext cx="5766410" cy="1559660"/>
           </a:xfrm>
           <a:prstGeom prst="rect">
             <a:avLst/>
@@ -3474,10 +3402,10 @@
       </p:pic>
       <p:pic>
         <p:nvPicPr>
-          <p:cNvPr id="228" name="Picture 227">
+          <p:cNvPr id="232" name="Picture 231">
             <a:extLst>
               <a:ext uri="{FF2B5EF4-FFF2-40B4-BE49-F238E27FC236}">
-                <a16:creationId xmlns:a16="http://schemas.microsoft.com/office/drawing/2014/main" id="{C71D0A85-28B6-D945-B55E-97FD41DB233F}"/>
+                <a16:creationId xmlns:a16="http://schemas.microsoft.com/office/drawing/2014/main" id="{E08A6FDC-2922-CA4A-9E61-E1674495F8C1}"/>
               </a:ext>
             </a:extLst>
           </p:cNvPr>
@@ -3486,21 +3414,16 @@
           </p:cNvPicPr>
           <p:nvPr/>
         </p:nvPicPr>
-        <p:blipFill rotWithShape="1">
-          <a:blip r:embed="rId8">
-            <a:extLst>
-              <a:ext uri="{28A0092B-C50C-407E-A947-70E740481C1C}">
-                <a14:useLocalDpi xmlns:a14="http://schemas.microsoft.com/office/drawing/2010/main" val="0"/>
-              </a:ext>
-            </a:extLst>
-          </a:blip>
-          <a:srcRect r="3605" b="49903"/>
-          <a:stretch/>
+        <p:blipFill>
+          <a:blip r:embed="rId8"/>
+          <a:stretch>
+            <a:fillRect/>
+          </a:stretch>
         </p:blipFill>
         <p:spPr>
           <a:xfrm>
-            <a:off x="3176102" y="2955583"/>
-            <a:ext cx="3767727" cy="1958105"/>
+            <a:off x="5914694" y="5197086"/>
+            <a:ext cx="4072987" cy="1508514"/>
           </a:xfrm>
           <a:prstGeom prst="rect">
             <a:avLst/>
@@ -3575,6 +3498,51 @@
                       </p:childTnLst>
                     </p:cTn>
                   </p:par>
+                  <p:par>
+                    <p:cTn id="7" fill="hold">
+                      <p:stCondLst>
+                        <p:cond delay="indefinite"/>
+                      </p:stCondLst>
+                      <p:childTnLst>
+                        <p:par>
+                          <p:cTn id="8" fill="hold">
+                            <p:stCondLst>
+                              <p:cond delay="0"/>
+                            </p:stCondLst>
+                            <p:childTnLst>
+                              <p:par>
+                                <p:cTn id="9" presetID="1" presetClass="entr" presetSubtype="0" fill="hold" nodeType="clickEffect">
+                                  <p:stCondLst>
+                                    <p:cond delay="0"/>
+                                  </p:stCondLst>
+                                  <p:childTnLst>
+                                    <p:set>
+                                      <p:cBhvr>
+                                        <p:cTn id="10" dur="1" fill="hold">
+                                          <p:stCondLst>
+                                            <p:cond delay="0"/>
+                                          </p:stCondLst>
+                                        </p:cTn>
+                                        <p:tgtEl>
+                                          <p:spTgt spid="230"/>
+                                        </p:tgtEl>
+                                        <p:attrNameLst>
+                                          <p:attrName>style.visibility</p:attrName>
+                                        </p:attrNameLst>
+                                      </p:cBhvr>
+                                      <p:to>
+                                        <p:strVal val="visible"/>
+                                      </p:to>
+                                    </p:set>
+                                  </p:childTnLst>
+                                </p:cTn>
+                              </p:par>
+                            </p:childTnLst>
+                          </p:cTn>
+                        </p:par>
+                      </p:childTnLst>
+                    </p:cTn>
+                  </p:par>
                 </p:childTnLst>
               </p:cTn>
               <p:prevCondLst>
@@ -3594,7 +3562,7 @@
             </p:seq>
             <p:audio isNarration="1">
               <p:cMediaNode vol="80000" showWhenStopped="0">
-                <p:cTn id="7" fill="hold" display="0">
+                <p:cTn id="11" fill="hold" display="0">
                   <p:stCondLst>
                     <p:cond delay="indefinite"/>
                   </p:stCondLst>
